--- a/中越詩歌/主我來就你_Chúa Ôi Tôi Lại Ngay.pptx
+++ b/中越詩歌/主我來就你_Chúa Ôi Tôi Lại Ngay.pptx
@@ -132,6 +132,11 @@
       </a:defRPr>
     </a:lvl9pPr>
   </p:defaultTextStyle>
+  <p:extLst>
+    <p:ext uri="{EFAFB233-063F-42B5-8137-9DF3F51BA10A}">
+      <p15:sldGuideLst xmlns:p15="http://schemas.microsoft.com/office/powerpoint/2012/main"/>
+    </p:ext>
+  </p:extLst>
 </p:presentation>
 </file>
 
@@ -316,7 +321,7 @@
           <a:p>
             <a:fld id="{3DA164B6-C987-4286-944E-8DFCB281AE39}" type="datetimeFigureOut">
               <a:rPr lang="vi-VN" smtClean="0"/>
-              <a:t>31/12/2022</a:t>
+              <a:t>04/11/2023</a:t>
             </a:fld>
             <a:endParaRPr lang="vi-VN"/>
           </a:p>
@@ -486,7 +491,7 @@
           <a:p>
             <a:fld id="{3DA164B6-C987-4286-944E-8DFCB281AE39}" type="datetimeFigureOut">
               <a:rPr lang="vi-VN" smtClean="0"/>
-              <a:t>31/12/2022</a:t>
+              <a:t>04/11/2023</a:t>
             </a:fld>
             <a:endParaRPr lang="vi-VN"/>
           </a:p>
@@ -666,7 +671,7 @@
           <a:p>
             <a:fld id="{3DA164B6-C987-4286-944E-8DFCB281AE39}" type="datetimeFigureOut">
               <a:rPr lang="vi-VN" smtClean="0"/>
-              <a:t>31/12/2022</a:t>
+              <a:t>04/11/2023</a:t>
             </a:fld>
             <a:endParaRPr lang="vi-VN"/>
           </a:p>
@@ -836,7 +841,7 @@
           <a:p>
             <a:fld id="{3DA164B6-C987-4286-944E-8DFCB281AE39}" type="datetimeFigureOut">
               <a:rPr lang="vi-VN" smtClean="0"/>
-              <a:t>31/12/2022</a:t>
+              <a:t>04/11/2023</a:t>
             </a:fld>
             <a:endParaRPr lang="vi-VN"/>
           </a:p>
@@ -1082,7 +1087,7 @@
           <a:p>
             <a:fld id="{3DA164B6-C987-4286-944E-8DFCB281AE39}" type="datetimeFigureOut">
               <a:rPr lang="vi-VN" smtClean="0"/>
-              <a:t>31/12/2022</a:t>
+              <a:t>04/11/2023</a:t>
             </a:fld>
             <a:endParaRPr lang="vi-VN"/>
           </a:p>
@@ -1370,7 +1375,7 @@
           <a:p>
             <a:fld id="{3DA164B6-C987-4286-944E-8DFCB281AE39}" type="datetimeFigureOut">
               <a:rPr lang="vi-VN" smtClean="0"/>
-              <a:t>31/12/2022</a:t>
+              <a:t>04/11/2023</a:t>
             </a:fld>
             <a:endParaRPr lang="vi-VN"/>
           </a:p>
@@ -1792,7 +1797,7 @@
           <a:p>
             <a:fld id="{3DA164B6-C987-4286-944E-8DFCB281AE39}" type="datetimeFigureOut">
               <a:rPr lang="vi-VN" smtClean="0"/>
-              <a:t>31/12/2022</a:t>
+              <a:t>04/11/2023</a:t>
             </a:fld>
             <a:endParaRPr lang="vi-VN"/>
           </a:p>
@@ -1910,7 +1915,7 @@
           <a:p>
             <a:fld id="{3DA164B6-C987-4286-944E-8DFCB281AE39}" type="datetimeFigureOut">
               <a:rPr lang="vi-VN" smtClean="0"/>
-              <a:t>31/12/2022</a:t>
+              <a:t>04/11/2023</a:t>
             </a:fld>
             <a:endParaRPr lang="vi-VN"/>
           </a:p>
@@ -2005,7 +2010,7 @@
           <a:p>
             <a:fld id="{3DA164B6-C987-4286-944E-8DFCB281AE39}" type="datetimeFigureOut">
               <a:rPr lang="vi-VN" smtClean="0"/>
-              <a:t>31/12/2022</a:t>
+              <a:t>04/11/2023</a:t>
             </a:fld>
             <a:endParaRPr lang="vi-VN"/>
           </a:p>
@@ -2282,7 +2287,7 @@
           <a:p>
             <a:fld id="{3DA164B6-C987-4286-944E-8DFCB281AE39}" type="datetimeFigureOut">
               <a:rPr lang="vi-VN" smtClean="0"/>
-              <a:t>31/12/2022</a:t>
+              <a:t>04/11/2023</a:t>
             </a:fld>
             <a:endParaRPr lang="vi-VN"/>
           </a:p>
@@ -2539,7 +2544,7 @@
           <a:p>
             <a:fld id="{3DA164B6-C987-4286-944E-8DFCB281AE39}" type="datetimeFigureOut">
               <a:rPr lang="vi-VN" smtClean="0"/>
-              <a:t>31/12/2022</a:t>
+              <a:t>04/11/2023</a:t>
             </a:fld>
             <a:endParaRPr lang="vi-VN"/>
           </a:p>
@@ -2757,7 +2762,7 @@
           <a:p>
             <a:fld id="{3DA164B6-C987-4286-944E-8DFCB281AE39}" type="datetimeFigureOut">
               <a:rPr lang="vi-VN" smtClean="0"/>
-              <a:t>31/12/2022</a:t>
+              <a:t>04/11/2023</a:t>
             </a:fld>
             <a:endParaRPr lang="vi-VN"/>
           </a:p>
@@ -3185,10 +3190,10 @@
                 <a:latin typeface="微軟正黑體" pitchFamily="34" charset="-120"/>
                 <a:ea typeface="微軟正黑體" pitchFamily="34" charset="-120"/>
               </a:rPr>
-              <a:t>主</a:t>
-            </a:r>
-            <a:r>
-              <a:rPr lang="zh-CN" altLang="en-US" sz="7200" b="1" i="1" dirty="0">
+              <a:t>主我來</a:t>
+            </a:r>
+            <a:r>
+              <a:rPr lang="zh-CN" altLang="en-US" sz="7200" b="1" i="1" dirty="0" smtClean="0">
                 <a:solidFill>
                   <a:srgbClr val="000066"/>
                 </a:solidFill>
@@ -3202,7 +3207,7 @@
                 <a:latin typeface="微軟正黑體" pitchFamily="34" charset="-120"/>
                 <a:ea typeface="微軟正黑體" pitchFamily="34" charset="-120"/>
               </a:rPr>
-              <a:t>我來就袮</a:t>
+              <a:t>就祢</a:t>
             </a:r>
             <a:endParaRPr lang="zh-TW" altLang="en-US" sz="7200" b="1" i="1" dirty="0">
               <a:solidFill>
@@ -3275,25 +3280,7 @@
                 <a:ea typeface="微軟正黑體" pitchFamily="34" charset="-120"/>
                 <a:cs typeface="Calibri" panose="020F0502020204030204" pitchFamily="34" charset="0"/>
               </a:rPr>
-              <a:t>Chúa </a:t>
-            </a:r>
-            <a:r>
-              <a:rPr lang="vi-VN" sz="5400" b="1" i="1" dirty="0">
-                <a:solidFill>
-                  <a:srgbClr val="660033"/>
-                </a:solidFill>
-                <a:effectLst>
-                  <a:outerShdw blurRad="38100" dist="38100" dir="2700000" algn="tl">
-                    <a:srgbClr val="000000">
-                      <a:alpha val="43137"/>
-                    </a:srgbClr>
-                  </a:outerShdw>
-                </a:effectLst>
-                <a:latin typeface="Calibri" panose="020F0502020204030204" pitchFamily="34" charset="0"/>
-                <a:ea typeface="微軟正黑體" pitchFamily="34" charset="-120"/>
-                <a:cs typeface="Calibri" panose="020F0502020204030204" pitchFamily="34" charset="0"/>
-              </a:rPr>
-              <a:t>Ôi, Tôi Lại Ngay</a:t>
+              <a:t>Chúa Ôi, Tôi Lại Ngay</a:t>
             </a:r>
             <a:endParaRPr lang="zh-TW" altLang="en-US" sz="5400" b="1" i="1" dirty="0">
               <a:solidFill>
@@ -3711,17 +3698,7 @@
                 <a:ea typeface="Microsoft JhengHei" panose="020B0604030504040204" pitchFamily="34" charset="-120"/>
                 <a:cs typeface="Arial" panose="020B0604020202020204" pitchFamily="34" charset="0"/>
               </a:rPr>
-              <a:t> </a:t>
-            </a:r>
-            <a:r>
-              <a:rPr lang="en-US" sz="3733" b="1" dirty="0">
-                <a:solidFill>
-                  <a:srgbClr val="000066"/>
-                </a:solidFill>
-                <a:ea typeface="Microsoft JhengHei" panose="020B0604030504040204" pitchFamily="34" charset="-120"/>
-                <a:cs typeface="Arial" panose="020B0604020202020204" pitchFamily="34" charset="0"/>
-              </a:rPr>
-              <a:t>)</a:t>
+              <a:t> )</a:t>
             </a:r>
             <a:endParaRPr lang="vi-VN" sz="3733" b="1" dirty="0">
               <a:solidFill>
@@ -4197,17 +4174,7 @@
                 <a:ea typeface="Microsoft JhengHei" panose="020B0604030504040204" pitchFamily="34" charset="-120"/>
                 <a:cs typeface="Arial" panose="020B0604020202020204" pitchFamily="34" charset="0"/>
               </a:rPr>
-              <a:t> </a:t>
-            </a:r>
-            <a:r>
-              <a:rPr lang="en-US" sz="3733" b="1" dirty="0">
-                <a:solidFill>
-                  <a:srgbClr val="000066"/>
-                </a:solidFill>
-                <a:ea typeface="Microsoft JhengHei" panose="020B0604030504040204" pitchFamily="34" charset="-120"/>
-                <a:cs typeface="Arial" panose="020B0604020202020204" pitchFamily="34" charset="0"/>
-              </a:rPr>
-              <a:t>)</a:t>
+              <a:t> )</a:t>
             </a:r>
             <a:endParaRPr lang="vi-VN" sz="3733" b="1" dirty="0">
               <a:solidFill>
@@ -4617,17 +4584,7 @@
                 <a:ea typeface="Microsoft JhengHei" panose="020B0604030504040204" pitchFamily="34" charset="-120"/>
                 <a:cs typeface="Arial" panose="020B0604020202020204" pitchFamily="34" charset="0"/>
               </a:rPr>
-              <a:t> </a:t>
-            </a:r>
-            <a:r>
-              <a:rPr lang="en-US" sz="3733" b="1" dirty="0">
-                <a:solidFill>
-                  <a:srgbClr val="000066"/>
-                </a:solidFill>
-                <a:ea typeface="Microsoft JhengHei" panose="020B0604030504040204" pitchFamily="34" charset="-120"/>
-                <a:cs typeface="Arial" panose="020B0604020202020204" pitchFamily="34" charset="0"/>
-              </a:rPr>
-              <a:t>)</a:t>
+              <a:t> )</a:t>
             </a:r>
             <a:endParaRPr lang="vi-VN" sz="3733" b="1" dirty="0">
               <a:solidFill>
@@ -4702,7 +4659,37 @@
                 <a:latin typeface="Microsoft JhengHei" pitchFamily="34" charset="-120"/>
                 <a:ea typeface="Microsoft JhengHei" pitchFamily="34" charset="-120"/>
               </a:rPr>
-              <a:t>主我來就袮  我今來就袮</a:t>
+              <a:t>主我來</a:t>
+            </a:r>
+            <a:r>
+              <a:rPr lang="zh-CN" altLang="en-US" sz="6400" b="1" dirty="0" smtClean="0">
+                <a:solidFill>
+                  <a:srgbClr val="000066"/>
+                </a:solidFill>
+                <a:latin typeface="Microsoft JhengHei" pitchFamily="34" charset="-120"/>
+                <a:ea typeface="Microsoft JhengHei" pitchFamily="34" charset="-120"/>
+              </a:rPr>
+              <a:t>就祢  </a:t>
+            </a:r>
+            <a:r>
+              <a:rPr lang="zh-CN" altLang="en-US" sz="6400" b="1" dirty="0">
+                <a:solidFill>
+                  <a:srgbClr val="000066"/>
+                </a:solidFill>
+                <a:latin typeface="Microsoft JhengHei" pitchFamily="34" charset="-120"/>
+                <a:ea typeface="Microsoft JhengHei" pitchFamily="34" charset="-120"/>
+              </a:rPr>
+              <a:t>我今來</a:t>
+            </a:r>
+            <a:r>
+              <a:rPr lang="zh-CN" altLang="en-US" sz="6400" b="1" dirty="0" smtClean="0">
+                <a:solidFill>
+                  <a:srgbClr val="000066"/>
+                </a:solidFill>
+                <a:latin typeface="Microsoft JhengHei" pitchFamily="34" charset="-120"/>
+                <a:ea typeface="Microsoft JhengHei" pitchFamily="34" charset="-120"/>
+              </a:rPr>
+              <a:t>就祢</a:t>
             </a:r>
             <a:endParaRPr lang="en-US" altLang="zh-CN" sz="6400" b="1" dirty="0">
               <a:solidFill>
@@ -4984,18 +4971,7 @@
                 <a:ea typeface="微軟正黑體" pitchFamily="34" charset="-120"/>
                 <a:cs typeface="Calibri" panose="020F0502020204030204" pitchFamily="34" charset="0"/>
               </a:rPr>
-              <a:t>, </a:t>
-            </a:r>
-            <a:r>
-              <a:rPr lang="en-US" altLang="zh-TW" sz="4000" b="1" dirty="0">
-                <a:solidFill>
-                  <a:srgbClr val="660033"/>
-                </a:solidFill>
-                <a:latin typeface="Calibri" panose="020F0502020204030204" pitchFamily="34" charset="0"/>
-                <a:ea typeface="微軟正黑體" pitchFamily="34" charset="-120"/>
-                <a:cs typeface="Calibri" panose="020F0502020204030204" pitchFamily="34" charset="0"/>
-              </a:rPr>
-              <a:t>nay </a:t>
+              <a:t>, nay </a:t>
             </a:r>
             <a:r>
               <a:rPr lang="en-US" altLang="zh-TW" sz="4000" b="1" dirty="0" err="1">
@@ -6199,17 +6175,7 @@
                 <a:ea typeface="Microsoft JhengHei" panose="020B0604030504040204" pitchFamily="34" charset="-120"/>
                 <a:cs typeface="Arial" panose="020B0604020202020204" pitchFamily="34" charset="0"/>
               </a:rPr>
-              <a:t> </a:t>
-            </a:r>
-            <a:r>
-              <a:rPr lang="en-US" sz="3733" b="1" dirty="0">
-                <a:solidFill>
-                  <a:srgbClr val="000066"/>
-                </a:solidFill>
-                <a:ea typeface="Microsoft JhengHei" panose="020B0604030504040204" pitchFamily="34" charset="-120"/>
-                <a:cs typeface="Arial" panose="020B0604020202020204" pitchFamily="34" charset="0"/>
-              </a:rPr>
-              <a:t>)</a:t>
+              <a:t> )</a:t>
             </a:r>
             <a:endParaRPr lang="vi-VN" sz="3733" b="1" dirty="0">
               <a:solidFill>
@@ -6644,17 +6610,7 @@
                 <a:ea typeface="Microsoft JhengHei" panose="020B0604030504040204" pitchFamily="34" charset="-120"/>
                 <a:cs typeface="Arial" panose="020B0604020202020204" pitchFamily="34" charset="0"/>
               </a:rPr>
-              <a:t> </a:t>
-            </a:r>
-            <a:r>
-              <a:rPr lang="en-US" sz="3733" b="1" dirty="0">
-                <a:solidFill>
-                  <a:srgbClr val="000066"/>
-                </a:solidFill>
-                <a:ea typeface="Microsoft JhengHei" panose="020B0604030504040204" pitchFamily="34" charset="-120"/>
-                <a:cs typeface="Arial" panose="020B0604020202020204" pitchFamily="34" charset="0"/>
-              </a:rPr>
-              <a:t>)</a:t>
+              <a:t> )</a:t>
             </a:r>
             <a:endParaRPr lang="vi-VN" sz="3733" b="1" dirty="0">
               <a:solidFill>
@@ -7111,17 +7067,7 @@
                 <a:ea typeface="Microsoft JhengHei" panose="020B0604030504040204" pitchFamily="34" charset="-120"/>
                 <a:cs typeface="Arial" panose="020B0604020202020204" pitchFamily="34" charset="0"/>
               </a:rPr>
-              <a:t> </a:t>
-            </a:r>
-            <a:r>
-              <a:rPr lang="en-US" sz="3733" b="1" dirty="0">
-                <a:solidFill>
-                  <a:srgbClr val="000066"/>
-                </a:solidFill>
-                <a:ea typeface="Microsoft JhengHei" panose="020B0604030504040204" pitchFamily="34" charset="-120"/>
-                <a:cs typeface="Arial" panose="020B0604020202020204" pitchFamily="34" charset="0"/>
-              </a:rPr>
-              <a:t>)</a:t>
+              <a:t> )</a:t>
             </a:r>
             <a:endParaRPr lang="vi-VN" sz="3733" b="1" dirty="0">
               <a:solidFill>
@@ -7556,17 +7502,7 @@
                 <a:ea typeface="Microsoft JhengHei" panose="020B0604030504040204" pitchFamily="34" charset="-120"/>
                 <a:cs typeface="Arial" panose="020B0604020202020204" pitchFamily="34" charset="0"/>
               </a:rPr>
-              <a:t> </a:t>
-            </a:r>
-            <a:r>
-              <a:rPr lang="en-US" sz="3733" b="1" dirty="0">
-                <a:solidFill>
-                  <a:srgbClr val="000066"/>
-                </a:solidFill>
-                <a:ea typeface="Microsoft JhengHei" panose="020B0604030504040204" pitchFamily="34" charset="-120"/>
-                <a:cs typeface="Arial" panose="020B0604020202020204" pitchFamily="34" charset="0"/>
-              </a:rPr>
-              <a:t>)</a:t>
+              <a:t> )</a:t>
             </a:r>
             <a:endParaRPr lang="vi-VN" sz="3733" b="1" dirty="0">
               <a:solidFill>
@@ -7998,17 +7934,7 @@
                 <a:ea typeface="Microsoft JhengHei" panose="020B0604030504040204" pitchFamily="34" charset="-120"/>
                 <a:cs typeface="Arial" panose="020B0604020202020204" pitchFamily="34" charset="0"/>
               </a:rPr>
-              <a:t> </a:t>
-            </a:r>
-            <a:r>
-              <a:rPr lang="en-US" sz="3733" b="1" dirty="0">
-                <a:solidFill>
-                  <a:srgbClr val="000066"/>
-                </a:solidFill>
-                <a:ea typeface="Microsoft JhengHei" panose="020B0604030504040204" pitchFamily="34" charset="-120"/>
-                <a:cs typeface="Arial" panose="020B0604020202020204" pitchFamily="34" charset="0"/>
-              </a:rPr>
-              <a:t>)</a:t>
+              <a:t> )</a:t>
             </a:r>
             <a:endParaRPr lang="vi-VN" sz="3733" b="1" dirty="0">
               <a:solidFill>
@@ -8083,7 +8009,37 @@
                 <a:latin typeface="Microsoft JhengHei" pitchFamily="34" charset="-120"/>
                 <a:ea typeface="Microsoft JhengHei" pitchFamily="34" charset="-120"/>
               </a:rPr>
-              <a:t>主我來就袮  我今來就袮</a:t>
+              <a:t>主我來</a:t>
+            </a:r>
+            <a:r>
+              <a:rPr lang="zh-CN" altLang="en-US" sz="6400" b="1" dirty="0" smtClean="0">
+                <a:solidFill>
+                  <a:srgbClr val="000066"/>
+                </a:solidFill>
+                <a:latin typeface="Microsoft JhengHei" pitchFamily="34" charset="-120"/>
+                <a:ea typeface="Microsoft JhengHei" pitchFamily="34" charset="-120"/>
+              </a:rPr>
+              <a:t>就祢  </a:t>
+            </a:r>
+            <a:r>
+              <a:rPr lang="zh-CN" altLang="en-US" sz="6400" b="1" dirty="0">
+                <a:solidFill>
+                  <a:srgbClr val="000066"/>
+                </a:solidFill>
+                <a:latin typeface="Microsoft JhengHei" pitchFamily="34" charset="-120"/>
+                <a:ea typeface="Microsoft JhengHei" pitchFamily="34" charset="-120"/>
+              </a:rPr>
+              <a:t>我今來</a:t>
+            </a:r>
+            <a:r>
+              <a:rPr lang="zh-CN" altLang="en-US" sz="6400" b="1" dirty="0" smtClean="0">
+                <a:solidFill>
+                  <a:srgbClr val="000066"/>
+                </a:solidFill>
+                <a:latin typeface="Microsoft JhengHei" pitchFamily="34" charset="-120"/>
+                <a:ea typeface="Microsoft JhengHei" pitchFamily="34" charset="-120"/>
+              </a:rPr>
+              <a:t>就祢</a:t>
             </a:r>
             <a:endParaRPr lang="en-US" altLang="zh-CN" sz="6400" b="1" dirty="0">
               <a:solidFill>
@@ -8365,18 +8321,7 @@
                 <a:ea typeface="微軟正黑體" pitchFamily="34" charset="-120"/>
                 <a:cs typeface="Calibri" panose="020F0502020204030204" pitchFamily="34" charset="0"/>
               </a:rPr>
-              <a:t>, </a:t>
-            </a:r>
-            <a:r>
-              <a:rPr lang="en-US" altLang="zh-TW" sz="4000" b="1" dirty="0">
-                <a:solidFill>
-                  <a:srgbClr val="660033"/>
-                </a:solidFill>
-                <a:latin typeface="Calibri" panose="020F0502020204030204" pitchFamily="34" charset="0"/>
-                <a:ea typeface="微軟正黑體" pitchFamily="34" charset="-120"/>
-                <a:cs typeface="Calibri" panose="020F0502020204030204" pitchFamily="34" charset="0"/>
-              </a:rPr>
-              <a:t>nay </a:t>
+              <a:t>, nay </a:t>
             </a:r>
             <a:r>
               <a:rPr lang="en-US" altLang="zh-TW" sz="4000" b="1" dirty="0" err="1">
@@ -9605,17 +9550,7 @@
                 <a:ea typeface="Microsoft JhengHei" panose="020B0604030504040204" pitchFamily="34" charset="-120"/>
                 <a:cs typeface="Arial" panose="020B0604020202020204" pitchFamily="34" charset="0"/>
               </a:rPr>
-              <a:t> </a:t>
-            </a:r>
-            <a:r>
-              <a:rPr lang="en-US" sz="3733" b="1" dirty="0">
-                <a:solidFill>
-                  <a:srgbClr val="000066"/>
-                </a:solidFill>
-                <a:ea typeface="Microsoft JhengHei" panose="020B0604030504040204" pitchFamily="34" charset="-120"/>
-                <a:cs typeface="Arial" panose="020B0604020202020204" pitchFamily="34" charset="0"/>
-              </a:rPr>
-              <a:t>)</a:t>
+              <a:t> )</a:t>
             </a:r>
             <a:endParaRPr lang="vi-VN" sz="3733" b="1" dirty="0">
               <a:solidFill>
@@ -10050,17 +9985,7 @@
                 <a:ea typeface="Microsoft JhengHei" panose="020B0604030504040204" pitchFamily="34" charset="-120"/>
                 <a:cs typeface="Arial" panose="020B0604020202020204" pitchFamily="34" charset="0"/>
               </a:rPr>
-              <a:t> </a:t>
-            </a:r>
-            <a:r>
-              <a:rPr lang="en-US" sz="3733" b="1" dirty="0">
-                <a:solidFill>
-                  <a:srgbClr val="000066"/>
-                </a:solidFill>
-                <a:ea typeface="Microsoft JhengHei" panose="020B0604030504040204" pitchFamily="34" charset="-120"/>
-                <a:cs typeface="Arial" panose="020B0604020202020204" pitchFamily="34" charset="0"/>
-              </a:rPr>
-              <a:t>)</a:t>
+              <a:t> )</a:t>
             </a:r>
             <a:endParaRPr lang="vi-VN" sz="3733" b="1" dirty="0">
               <a:solidFill>
@@ -10539,17 +10464,7 @@
                 <a:ea typeface="Microsoft JhengHei" panose="020B0604030504040204" pitchFamily="34" charset="-120"/>
                 <a:cs typeface="Arial" panose="020B0604020202020204" pitchFamily="34" charset="0"/>
               </a:rPr>
-              <a:t> </a:t>
-            </a:r>
-            <a:r>
-              <a:rPr lang="en-US" sz="3733" b="1" dirty="0">
-                <a:solidFill>
-                  <a:srgbClr val="000066"/>
-                </a:solidFill>
-                <a:ea typeface="Microsoft JhengHei" panose="020B0604030504040204" pitchFamily="34" charset="-120"/>
-                <a:cs typeface="Arial" panose="020B0604020202020204" pitchFamily="34" charset="0"/>
-              </a:rPr>
-              <a:t>)</a:t>
+              <a:t> )</a:t>
             </a:r>
             <a:endParaRPr lang="vi-VN" sz="3733" b="1" dirty="0">
               <a:solidFill>
@@ -10984,17 +10899,7 @@
                 <a:ea typeface="Microsoft JhengHei" panose="020B0604030504040204" pitchFamily="34" charset="-120"/>
                 <a:cs typeface="Arial" panose="020B0604020202020204" pitchFamily="34" charset="0"/>
               </a:rPr>
-              <a:t> </a:t>
-            </a:r>
-            <a:r>
-              <a:rPr lang="en-US" sz="3733" b="1" dirty="0">
-                <a:solidFill>
-                  <a:srgbClr val="000066"/>
-                </a:solidFill>
-                <a:ea typeface="Microsoft JhengHei" panose="020B0604030504040204" pitchFamily="34" charset="-120"/>
-                <a:cs typeface="Arial" panose="020B0604020202020204" pitchFamily="34" charset="0"/>
-              </a:rPr>
-              <a:t>)</a:t>
+              <a:t> )</a:t>
             </a:r>
             <a:endParaRPr lang="vi-VN" sz="3733" b="1" dirty="0">
               <a:solidFill>
@@ -11069,7 +10974,37 @@
                 <a:latin typeface="Microsoft JhengHei" pitchFamily="34" charset="-120"/>
                 <a:ea typeface="Microsoft JhengHei" pitchFamily="34" charset="-120"/>
               </a:rPr>
-              <a:t>主我來就袮  我今來就袮</a:t>
+              <a:t>主我來</a:t>
+            </a:r>
+            <a:r>
+              <a:rPr lang="zh-CN" altLang="en-US" sz="6400" b="1" dirty="0" smtClean="0">
+                <a:solidFill>
+                  <a:srgbClr val="000066"/>
+                </a:solidFill>
+                <a:latin typeface="Microsoft JhengHei" pitchFamily="34" charset="-120"/>
+                <a:ea typeface="Microsoft JhengHei" pitchFamily="34" charset="-120"/>
+              </a:rPr>
+              <a:t>就祢  </a:t>
+            </a:r>
+            <a:r>
+              <a:rPr lang="zh-CN" altLang="en-US" sz="6400" b="1" dirty="0">
+                <a:solidFill>
+                  <a:srgbClr val="000066"/>
+                </a:solidFill>
+                <a:latin typeface="Microsoft JhengHei" pitchFamily="34" charset="-120"/>
+                <a:ea typeface="Microsoft JhengHei" pitchFamily="34" charset="-120"/>
+              </a:rPr>
+              <a:t>我今來</a:t>
+            </a:r>
+            <a:r>
+              <a:rPr lang="zh-CN" altLang="en-US" sz="6400" b="1" dirty="0" smtClean="0">
+                <a:solidFill>
+                  <a:srgbClr val="000066"/>
+                </a:solidFill>
+                <a:latin typeface="Microsoft JhengHei" pitchFamily="34" charset="-120"/>
+                <a:ea typeface="Microsoft JhengHei" pitchFamily="34" charset="-120"/>
+              </a:rPr>
+              <a:t>就祢</a:t>
             </a:r>
             <a:endParaRPr lang="en-US" altLang="zh-CN" sz="6400" b="1" dirty="0">
               <a:solidFill>
@@ -11351,18 +11286,7 @@
                 <a:ea typeface="微軟正黑體" pitchFamily="34" charset="-120"/>
                 <a:cs typeface="Calibri" panose="020F0502020204030204" pitchFamily="34" charset="0"/>
               </a:rPr>
-              <a:t>, </a:t>
-            </a:r>
-            <a:r>
-              <a:rPr lang="en-US" altLang="zh-TW" sz="4000" b="1" dirty="0">
-                <a:solidFill>
-                  <a:srgbClr val="660033"/>
-                </a:solidFill>
-                <a:latin typeface="Calibri" panose="020F0502020204030204" pitchFamily="34" charset="0"/>
-                <a:ea typeface="微軟正黑體" pitchFamily="34" charset="-120"/>
-                <a:cs typeface="Calibri" panose="020F0502020204030204" pitchFamily="34" charset="0"/>
-              </a:rPr>
-              <a:t>nay </a:t>
+              <a:t>, nay </a:t>
             </a:r>
             <a:r>
               <a:rPr lang="en-US" altLang="zh-TW" sz="4000" b="1" dirty="0" err="1">
@@ -12588,17 +12512,7 @@
                 <a:ea typeface="Microsoft JhengHei" panose="020B0604030504040204" pitchFamily="34" charset="-120"/>
                 <a:cs typeface="Arial" panose="020B0604020202020204" pitchFamily="34" charset="0"/>
               </a:rPr>
-              <a:t> </a:t>
-            </a:r>
-            <a:r>
-              <a:rPr lang="en-US" sz="3733" b="1" dirty="0">
-                <a:solidFill>
-                  <a:srgbClr val="000066"/>
-                </a:solidFill>
-                <a:ea typeface="Microsoft JhengHei" panose="020B0604030504040204" pitchFamily="34" charset="-120"/>
-                <a:cs typeface="Arial" panose="020B0604020202020204" pitchFamily="34" charset="0"/>
-              </a:rPr>
-              <a:t>)</a:t>
+              <a:t> )</a:t>
             </a:r>
             <a:endParaRPr lang="vi-VN" sz="3733" b="1" dirty="0">
               <a:solidFill>
@@ -13030,17 +12944,7 @@
                 <a:ea typeface="Microsoft JhengHei" panose="020B0604030504040204" pitchFamily="34" charset="-120"/>
                 <a:cs typeface="Arial" panose="020B0604020202020204" pitchFamily="34" charset="0"/>
               </a:rPr>
-              <a:t> </a:t>
-            </a:r>
-            <a:r>
-              <a:rPr lang="en-US" sz="3733" b="1" dirty="0">
-                <a:solidFill>
-                  <a:srgbClr val="000066"/>
-                </a:solidFill>
-                <a:ea typeface="Microsoft JhengHei" panose="020B0604030504040204" pitchFamily="34" charset="-120"/>
-                <a:cs typeface="Arial" panose="020B0604020202020204" pitchFamily="34" charset="0"/>
-              </a:rPr>
-              <a:t>)</a:t>
+              <a:t> )</a:t>
             </a:r>
             <a:endParaRPr lang="vi-VN" sz="3733" b="1" dirty="0">
               <a:solidFill>
@@ -13450,17 +13354,7 @@
                 <a:ea typeface="Microsoft JhengHei" panose="020B0604030504040204" pitchFamily="34" charset="-120"/>
                 <a:cs typeface="Arial" panose="020B0604020202020204" pitchFamily="34" charset="0"/>
               </a:rPr>
-              <a:t> </a:t>
-            </a:r>
-            <a:r>
-              <a:rPr lang="en-US" sz="3733" b="1" dirty="0">
-                <a:solidFill>
-                  <a:srgbClr val="000066"/>
-                </a:solidFill>
-                <a:ea typeface="Microsoft JhengHei" panose="020B0604030504040204" pitchFamily="34" charset="-120"/>
-                <a:cs typeface="Arial" panose="020B0604020202020204" pitchFamily="34" charset="0"/>
-              </a:rPr>
-              <a:t>)</a:t>
+              <a:t> )</a:t>
             </a:r>
             <a:endParaRPr lang="vi-VN" sz="3733" b="1" dirty="0">
               <a:solidFill>
@@ -13535,7 +13429,37 @@
                 <a:latin typeface="Microsoft JhengHei" pitchFamily="34" charset="-120"/>
                 <a:ea typeface="Microsoft JhengHei" pitchFamily="34" charset="-120"/>
               </a:rPr>
-              <a:t>主我來就袮  我今來就袮</a:t>
+              <a:t>主我來</a:t>
+            </a:r>
+            <a:r>
+              <a:rPr lang="zh-CN" altLang="en-US" sz="6400" b="1" dirty="0" smtClean="0">
+                <a:solidFill>
+                  <a:srgbClr val="000066"/>
+                </a:solidFill>
+                <a:latin typeface="Microsoft JhengHei" pitchFamily="34" charset="-120"/>
+                <a:ea typeface="Microsoft JhengHei" pitchFamily="34" charset="-120"/>
+              </a:rPr>
+              <a:t>就祢  </a:t>
+            </a:r>
+            <a:r>
+              <a:rPr lang="zh-CN" altLang="en-US" sz="6400" b="1" dirty="0">
+                <a:solidFill>
+                  <a:srgbClr val="000066"/>
+                </a:solidFill>
+                <a:latin typeface="Microsoft JhengHei" pitchFamily="34" charset="-120"/>
+                <a:ea typeface="Microsoft JhengHei" pitchFamily="34" charset="-120"/>
+              </a:rPr>
+              <a:t>我今來</a:t>
+            </a:r>
+            <a:r>
+              <a:rPr lang="zh-CN" altLang="en-US" sz="6400" b="1" dirty="0" smtClean="0">
+                <a:solidFill>
+                  <a:srgbClr val="000066"/>
+                </a:solidFill>
+                <a:latin typeface="Microsoft JhengHei" pitchFamily="34" charset="-120"/>
+                <a:ea typeface="Microsoft JhengHei" pitchFamily="34" charset="-120"/>
+              </a:rPr>
+              <a:t>就祢</a:t>
             </a:r>
             <a:endParaRPr lang="en-US" altLang="zh-CN" sz="6400" b="1" dirty="0">
               <a:solidFill>
@@ -13817,18 +13741,7 @@
                 <a:ea typeface="微軟正黑體" pitchFamily="34" charset="-120"/>
                 <a:cs typeface="Calibri" panose="020F0502020204030204" pitchFamily="34" charset="0"/>
               </a:rPr>
-              <a:t>, </a:t>
-            </a:r>
-            <a:r>
-              <a:rPr lang="en-US" altLang="zh-TW" sz="4000" b="1" dirty="0">
-                <a:solidFill>
-                  <a:srgbClr val="660033"/>
-                </a:solidFill>
-                <a:latin typeface="Calibri" panose="020F0502020204030204" pitchFamily="34" charset="0"/>
-                <a:ea typeface="微軟正黑體" pitchFamily="34" charset="-120"/>
-                <a:cs typeface="Calibri" panose="020F0502020204030204" pitchFamily="34" charset="0"/>
-              </a:rPr>
-              <a:t>nay </a:t>
+              <a:t>, nay </a:t>
             </a:r>
             <a:r>
               <a:rPr lang="en-US" altLang="zh-TW" sz="4000" b="1" dirty="0" err="1">
@@ -15054,17 +14967,7 @@
                 <a:ea typeface="Microsoft JhengHei" panose="020B0604030504040204" pitchFamily="34" charset="-120"/>
                 <a:cs typeface="Arial" panose="020B0604020202020204" pitchFamily="34" charset="0"/>
               </a:rPr>
-              <a:t> </a:t>
-            </a:r>
-            <a:r>
-              <a:rPr lang="en-US" sz="3733" b="1" dirty="0">
-                <a:solidFill>
-                  <a:srgbClr val="000066"/>
-                </a:solidFill>
-                <a:ea typeface="Microsoft JhengHei" panose="020B0604030504040204" pitchFamily="34" charset="-120"/>
-                <a:cs typeface="Arial" panose="020B0604020202020204" pitchFamily="34" charset="0"/>
-              </a:rPr>
-              <a:t>)</a:t>
+              <a:t> )</a:t>
             </a:r>
             <a:endParaRPr lang="vi-VN" sz="3733" b="1" dirty="0">
               <a:solidFill>
